--- a/slides/Estrutura de Repetição em Java Script.pptx
+++ b/slides/Estrutura de Repetição em Java Script.pptx
@@ -14,6 +14,10 @@
     <p:sldId id="262" r:id="rId8"/>
     <p:sldId id="263" r:id="rId9"/>
     <p:sldId id="264" r:id="rId10"/>
+    <p:sldId id="267" r:id="rId11"/>
+    <p:sldId id="265" r:id="rId12"/>
+    <p:sldId id="266" r:id="rId13"/>
+    <p:sldId id="268" r:id="rId14"/>
   </p:sldIdLst>
   <p:sldSz cx="12192000" cy="6858000"/>
   <p:notesSz cx="6858000" cy="9144000"/>
@@ -267,7 +271,7 @@
           <a:p>
             <a:fld id="{11DD9AA0-3163-4900-A5BD-AB2D81BE6098}" type="datetimeFigureOut">
               <a:rPr lang="pt-BR" smtClean="0"/>
-              <a:t>30/04/2024</a:t>
+              <a:t>10/09/2024</a:t>
             </a:fld>
             <a:endParaRPr lang="pt-BR"/>
           </a:p>
@@ -465,7 +469,7 @@
           <a:p>
             <a:fld id="{11DD9AA0-3163-4900-A5BD-AB2D81BE6098}" type="datetimeFigureOut">
               <a:rPr lang="pt-BR" smtClean="0"/>
-              <a:t>30/04/2024</a:t>
+              <a:t>10/09/2024</a:t>
             </a:fld>
             <a:endParaRPr lang="pt-BR"/>
           </a:p>
@@ -673,7 +677,7 @@
           <a:p>
             <a:fld id="{11DD9AA0-3163-4900-A5BD-AB2D81BE6098}" type="datetimeFigureOut">
               <a:rPr lang="pt-BR" smtClean="0"/>
-              <a:t>30/04/2024</a:t>
+              <a:t>10/09/2024</a:t>
             </a:fld>
             <a:endParaRPr lang="pt-BR"/>
           </a:p>
@@ -871,7 +875,7 @@
           <a:p>
             <a:fld id="{11DD9AA0-3163-4900-A5BD-AB2D81BE6098}" type="datetimeFigureOut">
               <a:rPr lang="pt-BR" smtClean="0"/>
-              <a:t>30/04/2024</a:t>
+              <a:t>10/09/2024</a:t>
             </a:fld>
             <a:endParaRPr lang="pt-BR"/>
           </a:p>
@@ -1146,7 +1150,7 @@
           <a:p>
             <a:fld id="{11DD9AA0-3163-4900-A5BD-AB2D81BE6098}" type="datetimeFigureOut">
               <a:rPr lang="pt-BR" smtClean="0"/>
-              <a:t>30/04/2024</a:t>
+              <a:t>10/09/2024</a:t>
             </a:fld>
             <a:endParaRPr lang="pt-BR"/>
           </a:p>
@@ -1411,7 +1415,7 @@
           <a:p>
             <a:fld id="{11DD9AA0-3163-4900-A5BD-AB2D81BE6098}" type="datetimeFigureOut">
               <a:rPr lang="pt-BR" smtClean="0"/>
-              <a:t>30/04/2024</a:t>
+              <a:t>10/09/2024</a:t>
             </a:fld>
             <a:endParaRPr lang="pt-BR"/>
           </a:p>
@@ -1823,7 +1827,7 @@
           <a:p>
             <a:fld id="{11DD9AA0-3163-4900-A5BD-AB2D81BE6098}" type="datetimeFigureOut">
               <a:rPr lang="pt-BR" smtClean="0"/>
-              <a:t>30/04/2024</a:t>
+              <a:t>10/09/2024</a:t>
             </a:fld>
             <a:endParaRPr lang="pt-BR"/>
           </a:p>
@@ -1964,7 +1968,7 @@
           <a:p>
             <a:fld id="{11DD9AA0-3163-4900-A5BD-AB2D81BE6098}" type="datetimeFigureOut">
               <a:rPr lang="pt-BR" smtClean="0"/>
-              <a:t>30/04/2024</a:t>
+              <a:t>10/09/2024</a:t>
             </a:fld>
             <a:endParaRPr lang="pt-BR"/>
           </a:p>
@@ -2077,7 +2081,7 @@
           <a:p>
             <a:fld id="{11DD9AA0-3163-4900-A5BD-AB2D81BE6098}" type="datetimeFigureOut">
               <a:rPr lang="pt-BR" smtClean="0"/>
-              <a:t>30/04/2024</a:t>
+              <a:t>10/09/2024</a:t>
             </a:fld>
             <a:endParaRPr lang="pt-BR"/>
           </a:p>
@@ -2388,7 +2392,7 @@
           <a:p>
             <a:fld id="{11DD9AA0-3163-4900-A5BD-AB2D81BE6098}" type="datetimeFigureOut">
               <a:rPr lang="pt-BR" smtClean="0"/>
-              <a:t>30/04/2024</a:t>
+              <a:t>10/09/2024</a:t>
             </a:fld>
             <a:endParaRPr lang="pt-BR"/>
           </a:p>
@@ -2676,7 +2680,7 @@
           <a:p>
             <a:fld id="{11DD9AA0-3163-4900-A5BD-AB2D81BE6098}" type="datetimeFigureOut">
               <a:rPr lang="pt-BR" smtClean="0"/>
-              <a:t>30/04/2024</a:t>
+              <a:t>10/09/2024</a:t>
             </a:fld>
             <a:endParaRPr lang="pt-BR"/>
           </a:p>
@@ -2917,7 +2921,7 @@
           <a:p>
             <a:fld id="{11DD9AA0-3163-4900-A5BD-AB2D81BE6098}" type="datetimeFigureOut">
               <a:rPr lang="pt-BR" smtClean="0"/>
-              <a:t>30/04/2024</a:t>
+              <a:t>10/09/2024</a:t>
             </a:fld>
             <a:endParaRPr lang="pt-BR"/>
           </a:p>
@@ -3400,6 +3404,933 @@
 </p:sld>
 </file>
 
+<file path=ppt/slides/slide10.xml><?xml version="1.0" encoding="utf-8"?>
+<p:sld xmlns:a="http://schemas.openxmlformats.org/drawingml/2006/main" xmlns:r="http://schemas.openxmlformats.org/officeDocument/2006/relationships" xmlns:p="http://schemas.openxmlformats.org/presentationml/2006/main">
+  <p:cSld>
+    <p:spTree>
+      <p:nvGrpSpPr>
+        <p:cNvPr id="1" name=""/>
+        <p:cNvGrpSpPr/>
+        <p:nvPr/>
+      </p:nvGrpSpPr>
+      <p:grpSpPr>
+        <a:xfrm>
+          <a:off x="0" y="0"/>
+          <a:ext cx="0" cy="0"/>
+          <a:chOff x="0" y="0"/>
+          <a:chExt cx="0" cy="0"/>
+        </a:xfrm>
+      </p:grpSpPr>
+      <p:sp>
+        <p:nvSpPr>
+          <p:cNvPr id="2" name="Título 1">
+            <a:extLst>
+              <a:ext uri="{FF2B5EF4-FFF2-40B4-BE49-F238E27FC236}">
+                <a16:creationId xmlns:a16="http://schemas.microsoft.com/office/drawing/2014/main" id="{607F7FB4-4099-4A5E-A1B1-171458333626}"/>
+              </a:ext>
+            </a:extLst>
+          </p:cNvPr>
+          <p:cNvSpPr>
+            <a:spLocks noGrp="1"/>
+          </p:cNvSpPr>
+          <p:nvPr>
+            <p:ph type="title"/>
+          </p:nvPr>
+        </p:nvSpPr>
+        <p:spPr/>
+        <p:txBody>
+          <a:bodyPr/>
+          <a:lstStyle/>
+          <a:p>
+            <a:r>
+              <a:rPr lang="pt-BR" dirty="0"/>
+              <a:t>Comando for</a:t>
+            </a:r>
+          </a:p>
+        </p:txBody>
+      </p:sp>
+      <p:sp>
+        <p:nvSpPr>
+          <p:cNvPr id="3" name="Espaço Reservado para Conteúdo 2">
+            <a:extLst>
+              <a:ext uri="{FF2B5EF4-FFF2-40B4-BE49-F238E27FC236}">
+                <a16:creationId xmlns:a16="http://schemas.microsoft.com/office/drawing/2014/main" id="{BD8FFF00-637A-62DD-6F70-FDEEDCF87BD3}"/>
+              </a:ext>
+            </a:extLst>
+          </p:cNvPr>
+          <p:cNvSpPr>
+            <a:spLocks noGrp="1"/>
+          </p:cNvSpPr>
+          <p:nvPr>
+            <p:ph idx="1"/>
+          </p:nvPr>
+        </p:nvSpPr>
+        <p:spPr/>
+        <p:txBody>
+          <a:bodyPr/>
+          <a:lstStyle/>
+          <a:p>
+            <a:endParaRPr lang="pt-BR"/>
+          </a:p>
+        </p:txBody>
+      </p:sp>
+      <p:pic>
+        <p:nvPicPr>
+          <p:cNvPr id="5" name="Imagem 4">
+            <a:extLst>
+              <a:ext uri="{FF2B5EF4-FFF2-40B4-BE49-F238E27FC236}">
+                <a16:creationId xmlns:a16="http://schemas.microsoft.com/office/drawing/2014/main" id="{E5D85EC4-7AE2-E101-2D69-BCB0DF915364}"/>
+              </a:ext>
+            </a:extLst>
+          </p:cNvPr>
+          <p:cNvPicPr>
+            <a:picLocks noChangeAspect="1"/>
+          </p:cNvPicPr>
+          <p:nvPr/>
+        </p:nvPicPr>
+        <p:blipFill>
+          <a:blip r:embed="rId2"/>
+          <a:stretch>
+            <a:fillRect/>
+          </a:stretch>
+        </p:blipFill>
+        <p:spPr>
+          <a:xfrm>
+            <a:off x="933837" y="2219874"/>
+            <a:ext cx="9764488" cy="3258005"/>
+          </a:xfrm>
+          <a:prstGeom prst="rect">
+            <a:avLst/>
+          </a:prstGeom>
+        </p:spPr>
+      </p:pic>
+    </p:spTree>
+    <p:extLst>
+      <p:ext uri="{BB962C8B-B14F-4D97-AF65-F5344CB8AC3E}">
+        <p14:creationId xmlns:p14="http://schemas.microsoft.com/office/powerpoint/2010/main" val="628996228"/>
+      </p:ext>
+    </p:extLst>
+  </p:cSld>
+  <p:clrMapOvr>
+    <a:masterClrMapping/>
+  </p:clrMapOvr>
+</p:sld>
+</file>
+
+<file path=ppt/slides/slide11.xml><?xml version="1.0" encoding="utf-8"?>
+<p:sld xmlns:a="http://schemas.openxmlformats.org/drawingml/2006/main" xmlns:r="http://schemas.openxmlformats.org/officeDocument/2006/relationships" xmlns:p="http://schemas.openxmlformats.org/presentationml/2006/main">
+  <p:cSld>
+    <p:spTree>
+      <p:nvGrpSpPr>
+        <p:cNvPr id="1" name=""/>
+        <p:cNvGrpSpPr/>
+        <p:nvPr/>
+      </p:nvGrpSpPr>
+      <p:grpSpPr>
+        <a:xfrm>
+          <a:off x="0" y="0"/>
+          <a:ext cx="0" cy="0"/>
+          <a:chOff x="0" y="0"/>
+          <a:chExt cx="0" cy="0"/>
+        </a:xfrm>
+      </p:grpSpPr>
+      <p:sp>
+        <p:nvSpPr>
+          <p:cNvPr id="2" name="Título 1">
+            <a:extLst>
+              <a:ext uri="{FF2B5EF4-FFF2-40B4-BE49-F238E27FC236}">
+                <a16:creationId xmlns:a16="http://schemas.microsoft.com/office/drawing/2014/main" id="{B5B19E60-09CF-0D26-98D0-BD89D5236173}"/>
+              </a:ext>
+            </a:extLst>
+          </p:cNvPr>
+          <p:cNvSpPr>
+            <a:spLocks noGrp="1"/>
+          </p:cNvSpPr>
+          <p:nvPr>
+            <p:ph type="title"/>
+          </p:nvPr>
+        </p:nvSpPr>
+        <p:spPr/>
+        <p:txBody>
+          <a:bodyPr/>
+          <a:lstStyle/>
+          <a:p>
+            <a:r>
+              <a:rPr lang="pt-BR" dirty="0"/>
+              <a:t>Comando break</a:t>
+            </a:r>
+          </a:p>
+        </p:txBody>
+      </p:sp>
+      <p:sp>
+        <p:nvSpPr>
+          <p:cNvPr id="3" name="Espaço Reservado para Conteúdo 2">
+            <a:extLst>
+              <a:ext uri="{FF2B5EF4-FFF2-40B4-BE49-F238E27FC236}">
+                <a16:creationId xmlns:a16="http://schemas.microsoft.com/office/drawing/2014/main" id="{52AA1BD7-AC67-9F8E-EB62-DCB812DF1904}"/>
+              </a:ext>
+            </a:extLst>
+          </p:cNvPr>
+          <p:cNvSpPr>
+            <a:spLocks noGrp="1"/>
+          </p:cNvSpPr>
+          <p:nvPr>
+            <p:ph idx="1"/>
+          </p:nvPr>
+        </p:nvSpPr>
+        <p:spPr/>
+        <p:txBody>
+          <a:bodyPr/>
+          <a:lstStyle/>
+          <a:p>
+            <a:r>
+              <a:rPr lang="pt-BR" b="0" dirty="0">
+                <a:solidFill>
+                  <a:srgbClr val="C586C0"/>
+                </a:solidFill>
+                <a:effectLst/>
+                <a:latin typeface="Consolas" panose="020B0609020204030204" pitchFamily="49" charset="0"/>
+              </a:rPr>
+              <a:t>força a saída do laço</a:t>
+            </a:r>
+          </a:p>
+          <a:p>
+            <a:pPr marL="0" indent="0">
+              <a:buNone/>
+            </a:pPr>
+            <a:endParaRPr lang="pt-BR" b="0" dirty="0">
+              <a:solidFill>
+                <a:srgbClr val="C586C0"/>
+              </a:solidFill>
+              <a:effectLst/>
+              <a:latin typeface="Consolas" panose="020B0609020204030204" pitchFamily="49" charset="0"/>
+            </a:endParaRPr>
+          </a:p>
+          <a:p>
+            <a:pPr marL="0" indent="0">
+              <a:buNone/>
+            </a:pPr>
+            <a:r>
+              <a:rPr lang="pt-BR" b="0" dirty="0">
+                <a:solidFill>
+                  <a:srgbClr val="C586C0"/>
+                </a:solidFill>
+                <a:effectLst/>
+                <a:latin typeface="Consolas" panose="020B0609020204030204" pitchFamily="49" charset="0"/>
+              </a:rPr>
+              <a:t>for</a:t>
+            </a:r>
+            <a:r>
+              <a:rPr lang="pt-BR" b="0" dirty="0">
+                <a:solidFill>
+                  <a:srgbClr val="CCCCCC"/>
+                </a:solidFill>
+                <a:effectLst/>
+                <a:latin typeface="Consolas" panose="020B0609020204030204" pitchFamily="49" charset="0"/>
+              </a:rPr>
+              <a:t>(</a:t>
+            </a:r>
+            <a:r>
+              <a:rPr lang="pt-BR" b="0" dirty="0" err="1">
+                <a:solidFill>
+                  <a:srgbClr val="569CD6"/>
+                </a:solidFill>
+                <a:effectLst/>
+                <a:latin typeface="Consolas" panose="020B0609020204030204" pitchFamily="49" charset="0"/>
+              </a:rPr>
+              <a:t>let</a:t>
+            </a:r>
+            <a:r>
+              <a:rPr lang="pt-BR" b="0" dirty="0">
+                <a:solidFill>
+                  <a:srgbClr val="CCCCCC"/>
+                </a:solidFill>
+                <a:effectLst/>
+                <a:latin typeface="Consolas" panose="020B0609020204030204" pitchFamily="49" charset="0"/>
+              </a:rPr>
+              <a:t> </a:t>
+            </a:r>
+            <a:r>
+              <a:rPr lang="pt-BR" b="0" dirty="0">
+                <a:solidFill>
+                  <a:srgbClr val="9CDCFE"/>
+                </a:solidFill>
+                <a:effectLst/>
+                <a:latin typeface="Consolas" panose="020B0609020204030204" pitchFamily="49" charset="0"/>
+              </a:rPr>
+              <a:t>i</a:t>
+            </a:r>
+            <a:r>
+              <a:rPr lang="pt-BR" b="0" dirty="0">
+                <a:solidFill>
+                  <a:srgbClr val="D4D4D4"/>
+                </a:solidFill>
+                <a:effectLst/>
+                <a:latin typeface="Consolas" panose="020B0609020204030204" pitchFamily="49" charset="0"/>
+              </a:rPr>
+              <a:t>=</a:t>
+            </a:r>
+            <a:r>
+              <a:rPr lang="pt-BR" b="0" dirty="0">
+                <a:solidFill>
+                  <a:srgbClr val="B5CEA8"/>
+                </a:solidFill>
+                <a:effectLst/>
+                <a:latin typeface="Consolas" panose="020B0609020204030204" pitchFamily="49" charset="0"/>
+              </a:rPr>
+              <a:t>1</a:t>
+            </a:r>
+            <a:r>
+              <a:rPr lang="pt-BR" b="0" dirty="0">
+                <a:solidFill>
+                  <a:srgbClr val="CCCCCC"/>
+                </a:solidFill>
+                <a:effectLst/>
+                <a:latin typeface="Consolas" panose="020B0609020204030204" pitchFamily="49" charset="0"/>
+              </a:rPr>
+              <a:t>;</a:t>
+            </a:r>
+            <a:r>
+              <a:rPr lang="pt-BR" b="0" dirty="0">
+                <a:solidFill>
+                  <a:srgbClr val="9CDCFE"/>
+                </a:solidFill>
+                <a:effectLst/>
+                <a:latin typeface="Consolas" panose="020B0609020204030204" pitchFamily="49" charset="0"/>
+              </a:rPr>
+              <a:t>i</a:t>
+            </a:r>
+            <a:r>
+              <a:rPr lang="pt-BR" b="0" dirty="0">
+                <a:solidFill>
+                  <a:srgbClr val="D4D4D4"/>
+                </a:solidFill>
+                <a:effectLst/>
+                <a:latin typeface="Consolas" panose="020B0609020204030204" pitchFamily="49" charset="0"/>
+              </a:rPr>
+              <a:t>&lt;=</a:t>
+            </a:r>
+            <a:r>
+              <a:rPr lang="pt-BR" b="0" dirty="0">
+                <a:solidFill>
+                  <a:srgbClr val="B5CEA8"/>
+                </a:solidFill>
+                <a:effectLst/>
+                <a:latin typeface="Consolas" panose="020B0609020204030204" pitchFamily="49" charset="0"/>
+              </a:rPr>
+              <a:t>8</a:t>
+            </a:r>
+            <a:r>
+              <a:rPr lang="pt-BR" b="0" dirty="0">
+                <a:solidFill>
+                  <a:srgbClr val="CCCCCC"/>
+                </a:solidFill>
+                <a:effectLst/>
+                <a:latin typeface="Consolas" panose="020B0609020204030204" pitchFamily="49" charset="0"/>
+              </a:rPr>
+              <a:t>;</a:t>
+            </a:r>
+            <a:r>
+              <a:rPr lang="pt-BR" b="0" dirty="0">
+                <a:solidFill>
+                  <a:srgbClr val="9CDCFE"/>
+                </a:solidFill>
+                <a:effectLst/>
+                <a:latin typeface="Consolas" panose="020B0609020204030204" pitchFamily="49" charset="0"/>
+              </a:rPr>
+              <a:t>i</a:t>
+            </a:r>
+            <a:r>
+              <a:rPr lang="pt-BR" b="0" dirty="0">
+                <a:solidFill>
+                  <a:srgbClr val="D4D4D4"/>
+                </a:solidFill>
+                <a:effectLst/>
+                <a:latin typeface="Consolas" panose="020B0609020204030204" pitchFamily="49" charset="0"/>
+              </a:rPr>
+              <a:t>++</a:t>
+            </a:r>
+            <a:r>
+              <a:rPr lang="pt-BR" b="0" dirty="0">
+                <a:solidFill>
+                  <a:srgbClr val="CCCCCC"/>
+                </a:solidFill>
+                <a:effectLst/>
+                <a:latin typeface="Consolas" panose="020B0609020204030204" pitchFamily="49" charset="0"/>
+              </a:rPr>
+              <a:t>){</a:t>
+            </a:r>
+          </a:p>
+          <a:p>
+            <a:pPr marL="0" indent="0">
+              <a:buNone/>
+            </a:pPr>
+            <a:r>
+              <a:rPr lang="pt-BR" b="0" dirty="0">
+                <a:solidFill>
+                  <a:srgbClr val="CCCCCC"/>
+                </a:solidFill>
+                <a:effectLst/>
+                <a:latin typeface="Consolas" panose="020B0609020204030204" pitchFamily="49" charset="0"/>
+              </a:rPr>
+              <a:t>    </a:t>
+            </a:r>
+            <a:r>
+              <a:rPr lang="pt-BR" b="0" dirty="0" err="1">
+                <a:solidFill>
+                  <a:srgbClr val="C586C0"/>
+                </a:solidFill>
+                <a:effectLst/>
+                <a:latin typeface="Consolas" panose="020B0609020204030204" pitchFamily="49" charset="0"/>
+              </a:rPr>
+              <a:t>if</a:t>
+            </a:r>
+            <a:r>
+              <a:rPr lang="pt-BR" b="0" dirty="0">
+                <a:solidFill>
+                  <a:srgbClr val="CCCCCC"/>
+                </a:solidFill>
+                <a:effectLst/>
+                <a:latin typeface="Consolas" panose="020B0609020204030204" pitchFamily="49" charset="0"/>
+              </a:rPr>
+              <a:t> (</a:t>
+            </a:r>
+            <a:r>
+              <a:rPr lang="pt-BR" b="0" dirty="0">
+                <a:solidFill>
+                  <a:srgbClr val="9CDCFE"/>
+                </a:solidFill>
+                <a:effectLst/>
+                <a:latin typeface="Consolas" panose="020B0609020204030204" pitchFamily="49" charset="0"/>
+              </a:rPr>
+              <a:t>i</a:t>
+            </a:r>
+            <a:r>
+              <a:rPr lang="pt-BR" b="0" dirty="0">
+                <a:solidFill>
+                  <a:srgbClr val="CCCCCC"/>
+                </a:solidFill>
+                <a:effectLst/>
+                <a:latin typeface="Consolas" panose="020B0609020204030204" pitchFamily="49" charset="0"/>
+              </a:rPr>
+              <a:t> </a:t>
+            </a:r>
+            <a:r>
+              <a:rPr lang="pt-BR" b="0" dirty="0">
+                <a:solidFill>
+                  <a:srgbClr val="D4D4D4"/>
+                </a:solidFill>
+                <a:effectLst/>
+                <a:latin typeface="Consolas" panose="020B0609020204030204" pitchFamily="49" charset="0"/>
+              </a:rPr>
+              <a:t>==</a:t>
+            </a:r>
+            <a:r>
+              <a:rPr lang="pt-BR" b="0" dirty="0">
+                <a:solidFill>
+                  <a:srgbClr val="CCCCCC"/>
+                </a:solidFill>
+                <a:effectLst/>
+                <a:latin typeface="Consolas" panose="020B0609020204030204" pitchFamily="49" charset="0"/>
+              </a:rPr>
+              <a:t> </a:t>
+            </a:r>
+            <a:r>
+              <a:rPr lang="pt-BR" b="0" dirty="0">
+                <a:solidFill>
+                  <a:srgbClr val="B5CEA8"/>
+                </a:solidFill>
+                <a:effectLst/>
+                <a:latin typeface="Consolas" panose="020B0609020204030204" pitchFamily="49" charset="0"/>
+              </a:rPr>
+              <a:t>5</a:t>
+            </a:r>
+            <a:r>
+              <a:rPr lang="pt-BR" b="0" dirty="0">
+                <a:solidFill>
+                  <a:srgbClr val="CCCCCC"/>
+                </a:solidFill>
+                <a:effectLst/>
+                <a:latin typeface="Consolas" panose="020B0609020204030204" pitchFamily="49" charset="0"/>
+              </a:rPr>
+              <a:t>){</a:t>
+            </a:r>
+          </a:p>
+          <a:p>
+            <a:pPr marL="0" indent="0">
+              <a:buNone/>
+            </a:pPr>
+            <a:r>
+              <a:rPr lang="pt-BR" b="0" dirty="0">
+                <a:solidFill>
+                  <a:srgbClr val="CCCCCC"/>
+                </a:solidFill>
+                <a:effectLst/>
+                <a:latin typeface="Consolas" panose="020B0609020204030204" pitchFamily="49" charset="0"/>
+              </a:rPr>
+              <a:t>        </a:t>
+            </a:r>
+            <a:r>
+              <a:rPr lang="pt-BR" b="0" dirty="0">
+                <a:solidFill>
+                  <a:srgbClr val="C586C0"/>
+                </a:solidFill>
+                <a:effectLst/>
+                <a:latin typeface="Consolas" panose="020B0609020204030204" pitchFamily="49" charset="0"/>
+              </a:rPr>
+              <a:t>break</a:t>
+            </a:r>
+            <a:endParaRPr lang="pt-BR" b="0" dirty="0">
+              <a:solidFill>
+                <a:srgbClr val="CCCCCC"/>
+              </a:solidFill>
+              <a:effectLst/>
+              <a:latin typeface="Consolas" panose="020B0609020204030204" pitchFamily="49" charset="0"/>
+            </a:endParaRPr>
+          </a:p>
+          <a:p>
+            <a:pPr marL="0" indent="0">
+              <a:buNone/>
+            </a:pPr>
+            <a:r>
+              <a:rPr lang="pt-BR" b="0" dirty="0">
+                <a:solidFill>
+                  <a:srgbClr val="CCCCCC"/>
+                </a:solidFill>
+                <a:effectLst/>
+                <a:latin typeface="Consolas" panose="020B0609020204030204" pitchFamily="49" charset="0"/>
+              </a:rPr>
+              <a:t>    }</a:t>
+            </a:r>
+          </a:p>
+          <a:p>
+            <a:pPr marL="0" indent="0">
+              <a:buNone/>
+            </a:pPr>
+            <a:r>
+              <a:rPr lang="pt-BR" b="0" dirty="0">
+                <a:solidFill>
+                  <a:srgbClr val="CCCCCC"/>
+                </a:solidFill>
+                <a:effectLst/>
+                <a:latin typeface="Consolas" panose="020B0609020204030204" pitchFamily="49" charset="0"/>
+              </a:rPr>
+              <a:t>    </a:t>
+            </a:r>
+            <a:r>
+              <a:rPr lang="pt-BR" b="0" dirty="0">
+                <a:solidFill>
+                  <a:srgbClr val="9CDCFE"/>
+                </a:solidFill>
+                <a:effectLst/>
+                <a:latin typeface="Consolas" panose="020B0609020204030204" pitchFamily="49" charset="0"/>
+              </a:rPr>
+              <a:t>console</a:t>
+            </a:r>
+            <a:r>
+              <a:rPr lang="pt-BR" b="0" dirty="0">
+                <a:solidFill>
+                  <a:srgbClr val="CCCCCC"/>
+                </a:solidFill>
+                <a:effectLst/>
+                <a:latin typeface="Consolas" panose="020B0609020204030204" pitchFamily="49" charset="0"/>
+              </a:rPr>
+              <a:t>.</a:t>
+            </a:r>
+            <a:r>
+              <a:rPr lang="pt-BR" b="0" dirty="0">
+                <a:solidFill>
+                  <a:srgbClr val="DCDCAA"/>
+                </a:solidFill>
+                <a:effectLst/>
+                <a:latin typeface="Consolas" panose="020B0609020204030204" pitchFamily="49" charset="0"/>
+              </a:rPr>
+              <a:t>log</a:t>
+            </a:r>
+            <a:r>
+              <a:rPr lang="pt-BR" b="0" dirty="0">
+                <a:solidFill>
+                  <a:srgbClr val="CCCCCC"/>
+                </a:solidFill>
+                <a:effectLst/>
+                <a:latin typeface="Consolas" panose="020B0609020204030204" pitchFamily="49" charset="0"/>
+              </a:rPr>
+              <a:t>(</a:t>
+            </a:r>
+            <a:r>
+              <a:rPr lang="pt-BR" b="0" dirty="0">
+                <a:solidFill>
+                  <a:srgbClr val="CE9178"/>
+                </a:solidFill>
+                <a:effectLst/>
+                <a:latin typeface="Consolas" panose="020B0609020204030204" pitchFamily="49" charset="0"/>
+              </a:rPr>
+              <a:t>`Valor de i é </a:t>
+            </a:r>
+            <a:r>
+              <a:rPr lang="pt-BR" b="0" dirty="0">
+                <a:solidFill>
+                  <a:srgbClr val="569CD6"/>
+                </a:solidFill>
+                <a:effectLst/>
+                <a:latin typeface="Consolas" panose="020B0609020204030204" pitchFamily="49" charset="0"/>
+              </a:rPr>
+              <a:t>${</a:t>
+            </a:r>
+            <a:r>
+              <a:rPr lang="pt-BR" b="0" dirty="0">
+                <a:solidFill>
+                  <a:srgbClr val="9CDCFE"/>
+                </a:solidFill>
+                <a:effectLst/>
+                <a:latin typeface="Consolas" panose="020B0609020204030204" pitchFamily="49" charset="0"/>
+              </a:rPr>
+              <a:t>i</a:t>
+            </a:r>
+            <a:r>
+              <a:rPr lang="pt-BR" b="0" dirty="0">
+                <a:solidFill>
+                  <a:srgbClr val="569CD6"/>
+                </a:solidFill>
+                <a:effectLst/>
+                <a:latin typeface="Consolas" panose="020B0609020204030204" pitchFamily="49" charset="0"/>
+              </a:rPr>
+              <a:t>}</a:t>
+            </a:r>
+            <a:r>
+              <a:rPr lang="pt-BR" b="0" dirty="0">
+                <a:solidFill>
+                  <a:srgbClr val="CE9178"/>
+                </a:solidFill>
+                <a:effectLst/>
+                <a:latin typeface="Consolas" panose="020B0609020204030204" pitchFamily="49" charset="0"/>
+              </a:rPr>
+              <a:t>`</a:t>
+            </a:r>
+            <a:r>
+              <a:rPr lang="pt-BR" b="0" dirty="0">
+                <a:solidFill>
+                  <a:srgbClr val="CCCCCC"/>
+                </a:solidFill>
+                <a:effectLst/>
+                <a:latin typeface="Consolas" panose="020B0609020204030204" pitchFamily="49" charset="0"/>
+              </a:rPr>
+              <a:t>)</a:t>
+            </a:r>
+          </a:p>
+          <a:p>
+            <a:pPr marL="0" indent="0">
+              <a:buNone/>
+            </a:pPr>
+            <a:r>
+              <a:rPr lang="pt-BR" b="0" dirty="0">
+                <a:solidFill>
+                  <a:srgbClr val="CCCCCC"/>
+                </a:solidFill>
+                <a:effectLst/>
+                <a:latin typeface="Consolas" panose="020B0609020204030204" pitchFamily="49" charset="0"/>
+              </a:rPr>
+              <a:t>}</a:t>
+            </a:r>
+          </a:p>
+          <a:p>
+            <a:endParaRPr lang="pt-BR" dirty="0"/>
+          </a:p>
+        </p:txBody>
+      </p:sp>
+    </p:spTree>
+    <p:extLst>
+      <p:ext uri="{BB962C8B-B14F-4D97-AF65-F5344CB8AC3E}">
+        <p14:creationId xmlns:p14="http://schemas.microsoft.com/office/powerpoint/2010/main" val="3344153794"/>
+      </p:ext>
+    </p:extLst>
+  </p:cSld>
+  <p:clrMapOvr>
+    <a:masterClrMapping/>
+  </p:clrMapOvr>
+</p:sld>
+</file>
+
+<file path=ppt/slides/slide12.xml><?xml version="1.0" encoding="utf-8"?>
+<p:sld xmlns:a="http://schemas.openxmlformats.org/drawingml/2006/main" xmlns:r="http://schemas.openxmlformats.org/officeDocument/2006/relationships" xmlns:p="http://schemas.openxmlformats.org/presentationml/2006/main">
+  <p:cSld>
+    <p:spTree>
+      <p:nvGrpSpPr>
+        <p:cNvPr id="1" name=""/>
+        <p:cNvGrpSpPr/>
+        <p:nvPr/>
+      </p:nvGrpSpPr>
+      <p:grpSpPr>
+        <a:xfrm>
+          <a:off x="0" y="0"/>
+          <a:ext cx="0" cy="0"/>
+          <a:chOff x="0" y="0"/>
+          <a:chExt cx="0" cy="0"/>
+        </a:xfrm>
+      </p:grpSpPr>
+      <p:sp>
+        <p:nvSpPr>
+          <p:cNvPr id="2" name="Título 1">
+            <a:extLst>
+              <a:ext uri="{FF2B5EF4-FFF2-40B4-BE49-F238E27FC236}">
+                <a16:creationId xmlns:a16="http://schemas.microsoft.com/office/drawing/2014/main" id="{53FD04DD-86B9-FACE-C3D8-D2E132E442C5}"/>
+              </a:ext>
+            </a:extLst>
+          </p:cNvPr>
+          <p:cNvSpPr>
+            <a:spLocks noGrp="1"/>
+          </p:cNvSpPr>
+          <p:nvPr>
+            <p:ph type="title"/>
+          </p:nvPr>
+        </p:nvSpPr>
+        <p:spPr/>
+        <p:txBody>
+          <a:bodyPr/>
+          <a:lstStyle/>
+          <a:p>
+            <a:r>
+              <a:rPr lang="pt-BR" dirty="0"/>
+              <a:t>Comando continue</a:t>
+            </a:r>
+          </a:p>
+        </p:txBody>
+      </p:sp>
+      <p:sp>
+        <p:nvSpPr>
+          <p:cNvPr id="3" name="Espaço Reservado para Conteúdo 2">
+            <a:extLst>
+              <a:ext uri="{FF2B5EF4-FFF2-40B4-BE49-F238E27FC236}">
+                <a16:creationId xmlns:a16="http://schemas.microsoft.com/office/drawing/2014/main" id="{5C162FD3-DF5D-0093-FDB7-ABC4943323CD}"/>
+              </a:ext>
+            </a:extLst>
+          </p:cNvPr>
+          <p:cNvSpPr>
+            <a:spLocks noGrp="1"/>
+          </p:cNvSpPr>
+          <p:nvPr>
+            <p:ph idx="1"/>
+          </p:nvPr>
+        </p:nvSpPr>
+        <p:spPr/>
+        <p:txBody>
+          <a:bodyPr/>
+          <a:lstStyle/>
+          <a:p>
+            <a:r>
+              <a:rPr lang="pt-BR" dirty="0"/>
+              <a:t>Força a próxima iteração</a:t>
+            </a:r>
+          </a:p>
+          <a:p>
+            <a:pPr marL="0" indent="0">
+              <a:buNone/>
+            </a:pPr>
+            <a:endParaRPr lang="pt-BR" dirty="0"/>
+          </a:p>
+          <a:p>
+            <a:pPr marL="0" indent="0">
+              <a:buNone/>
+            </a:pPr>
+            <a:r>
+              <a:rPr lang="pt-BR" dirty="0"/>
+              <a:t>for(</a:t>
+            </a:r>
+            <a:r>
+              <a:rPr lang="pt-BR" dirty="0" err="1"/>
+              <a:t>let</a:t>
+            </a:r>
+            <a:r>
+              <a:rPr lang="pt-BR" dirty="0"/>
+              <a:t> i=1;i&lt;=8;i++){</a:t>
+            </a:r>
+          </a:p>
+          <a:p>
+            <a:pPr marL="0" indent="0">
+              <a:buNone/>
+            </a:pPr>
+            <a:r>
+              <a:rPr lang="pt-BR" dirty="0"/>
+              <a:t>    </a:t>
+            </a:r>
+            <a:r>
+              <a:rPr lang="pt-BR" dirty="0" err="1"/>
+              <a:t>if</a:t>
+            </a:r>
+            <a:r>
+              <a:rPr lang="pt-BR" dirty="0"/>
+              <a:t> (i == 5){</a:t>
+            </a:r>
+          </a:p>
+          <a:p>
+            <a:pPr marL="0" indent="0">
+              <a:buNone/>
+            </a:pPr>
+            <a:r>
+              <a:rPr lang="pt-BR" dirty="0"/>
+              <a:t>        continue</a:t>
+            </a:r>
+          </a:p>
+          <a:p>
+            <a:pPr marL="0" indent="0">
+              <a:buNone/>
+            </a:pPr>
+            <a:r>
+              <a:rPr lang="pt-BR" dirty="0"/>
+              <a:t>    }</a:t>
+            </a:r>
+          </a:p>
+          <a:p>
+            <a:pPr marL="0" indent="0">
+              <a:buNone/>
+            </a:pPr>
+            <a:r>
+              <a:rPr lang="pt-BR" dirty="0"/>
+              <a:t>    console.log(`Valor de i é ${i}`)</a:t>
+            </a:r>
+          </a:p>
+          <a:p>
+            <a:pPr marL="0" indent="0">
+              <a:buNone/>
+            </a:pPr>
+            <a:r>
+              <a:rPr lang="pt-BR" dirty="0"/>
+              <a:t>}</a:t>
+            </a:r>
+          </a:p>
+        </p:txBody>
+      </p:sp>
+    </p:spTree>
+    <p:extLst>
+      <p:ext uri="{BB962C8B-B14F-4D97-AF65-F5344CB8AC3E}">
+        <p14:creationId xmlns:p14="http://schemas.microsoft.com/office/powerpoint/2010/main" val="1503032623"/>
+      </p:ext>
+    </p:extLst>
+  </p:cSld>
+  <p:clrMapOvr>
+    <a:masterClrMapping/>
+  </p:clrMapOvr>
+</p:sld>
+</file>
+
+<file path=ppt/slides/slide13.xml><?xml version="1.0" encoding="utf-8"?>
+<p:sld xmlns:a="http://schemas.openxmlformats.org/drawingml/2006/main" xmlns:r="http://schemas.openxmlformats.org/officeDocument/2006/relationships" xmlns:p="http://schemas.openxmlformats.org/presentationml/2006/main">
+  <p:cSld>
+    <p:spTree>
+      <p:nvGrpSpPr>
+        <p:cNvPr id="1" name=""/>
+        <p:cNvGrpSpPr/>
+        <p:nvPr/>
+      </p:nvGrpSpPr>
+      <p:grpSpPr>
+        <a:xfrm>
+          <a:off x="0" y="0"/>
+          <a:ext cx="0" cy="0"/>
+          <a:chOff x="0" y="0"/>
+          <a:chExt cx="0" cy="0"/>
+        </a:xfrm>
+      </p:grpSpPr>
+      <p:sp>
+        <p:nvSpPr>
+          <p:cNvPr id="2" name="Título 1">
+            <a:extLst>
+              <a:ext uri="{FF2B5EF4-FFF2-40B4-BE49-F238E27FC236}">
+                <a16:creationId xmlns:a16="http://schemas.microsoft.com/office/drawing/2014/main" id="{8889BCBA-49C5-C197-8978-1584708F13E0}"/>
+              </a:ext>
+            </a:extLst>
+          </p:cNvPr>
+          <p:cNvSpPr>
+            <a:spLocks noGrp="1"/>
+          </p:cNvSpPr>
+          <p:nvPr>
+            <p:ph type="title"/>
+          </p:nvPr>
+        </p:nvSpPr>
+        <p:spPr/>
+        <p:txBody>
+          <a:bodyPr/>
+          <a:lstStyle/>
+          <a:p>
+            <a:r>
+              <a:rPr lang="pt-BR" dirty="0"/>
+              <a:t>Comando do ... </a:t>
+            </a:r>
+            <a:r>
+              <a:rPr lang="pt-BR" dirty="0" err="1"/>
+              <a:t>while</a:t>
+            </a:r>
+            <a:endParaRPr lang="pt-BR" dirty="0"/>
+          </a:p>
+        </p:txBody>
+      </p:sp>
+      <p:sp>
+        <p:nvSpPr>
+          <p:cNvPr id="3" name="Espaço Reservado para Conteúdo 2">
+            <a:extLst>
+              <a:ext uri="{FF2B5EF4-FFF2-40B4-BE49-F238E27FC236}">
+                <a16:creationId xmlns:a16="http://schemas.microsoft.com/office/drawing/2014/main" id="{78080C41-4F15-EEE3-DD75-CFBE7C19818F}"/>
+              </a:ext>
+            </a:extLst>
+          </p:cNvPr>
+          <p:cNvSpPr>
+            <a:spLocks noGrp="1"/>
+          </p:cNvSpPr>
+          <p:nvPr>
+            <p:ph idx="1"/>
+          </p:nvPr>
+        </p:nvSpPr>
+        <p:spPr/>
+        <p:txBody>
+          <a:bodyPr/>
+          <a:lstStyle/>
+          <a:p>
+            <a:endParaRPr lang="pt-BR"/>
+          </a:p>
+        </p:txBody>
+      </p:sp>
+      <p:pic>
+        <p:nvPicPr>
+          <p:cNvPr id="5" name="Imagem 4">
+            <a:extLst>
+              <a:ext uri="{FF2B5EF4-FFF2-40B4-BE49-F238E27FC236}">
+                <a16:creationId xmlns:a16="http://schemas.microsoft.com/office/drawing/2014/main" id="{3635708F-B57E-DF87-CB17-BD484A332CDD}"/>
+              </a:ext>
+            </a:extLst>
+          </p:cNvPr>
+          <p:cNvPicPr>
+            <a:picLocks noChangeAspect="1"/>
+          </p:cNvPicPr>
+          <p:nvPr/>
+        </p:nvPicPr>
+        <p:blipFill>
+          <a:blip r:embed="rId2"/>
+          <a:stretch>
+            <a:fillRect/>
+          </a:stretch>
+        </p:blipFill>
+        <p:spPr>
+          <a:xfrm>
+            <a:off x="2428432" y="1491106"/>
+            <a:ext cx="6344535" cy="5020376"/>
+          </a:xfrm>
+          <a:prstGeom prst="rect">
+            <a:avLst/>
+          </a:prstGeom>
+        </p:spPr>
+      </p:pic>
+    </p:spTree>
+    <p:extLst>
+      <p:ext uri="{BB962C8B-B14F-4D97-AF65-F5344CB8AC3E}">
+        <p14:creationId xmlns:p14="http://schemas.microsoft.com/office/powerpoint/2010/main" val="3271303461"/>
+      </p:ext>
+    </p:extLst>
+  </p:cSld>
+  <p:clrMapOvr>
+    <a:masterClrMapping/>
+  </p:clrMapOvr>
+</p:sld>
+</file>
+
 <file path=ppt/slides/slide2.xml><?xml version="1.0" encoding="utf-8"?>
 <p:sld xmlns:a="http://schemas.openxmlformats.org/drawingml/2006/main" xmlns:r="http://schemas.openxmlformats.org/officeDocument/2006/relationships" xmlns:p="http://schemas.openxmlformats.org/presentationml/2006/main">
   <p:cSld>
